--- a/plots/simpsons-graph.pptx
+++ b/plots/simpsons-graph.pptx
@@ -241,7 +241,7 @@
           <a:p>
             <a:fld id="{43A24016-2E20-486A-9355-EBCAF3B43FB4}" type="datetimeFigureOut">
               <a:rPr lang="fr-FR" smtClean="0"/>
-              <a:t>24/08/2021</a:t>
+              <a:t>30/08/2021</a:t>
             </a:fld>
             <a:endParaRPr lang="fr-FR" dirty="0"/>
           </a:p>
@@ -409,7 +409,7 @@
           <a:p>
             <a:fld id="{43A24016-2E20-486A-9355-EBCAF3B43FB4}" type="datetimeFigureOut">
               <a:rPr lang="fr-FR" smtClean="0"/>
-              <a:t>24/08/2021</a:t>
+              <a:t>30/08/2021</a:t>
             </a:fld>
             <a:endParaRPr lang="fr-FR" dirty="0"/>
           </a:p>
@@ -587,7 +587,7 @@
           <a:p>
             <a:fld id="{43A24016-2E20-486A-9355-EBCAF3B43FB4}" type="datetimeFigureOut">
               <a:rPr lang="fr-FR" smtClean="0"/>
-              <a:t>24/08/2021</a:t>
+              <a:t>30/08/2021</a:t>
             </a:fld>
             <a:endParaRPr lang="fr-FR" dirty="0"/>
           </a:p>
@@ -755,7 +755,7 @@
           <a:p>
             <a:fld id="{43A24016-2E20-486A-9355-EBCAF3B43FB4}" type="datetimeFigureOut">
               <a:rPr lang="fr-FR" smtClean="0"/>
-              <a:t>24/08/2021</a:t>
+              <a:t>30/08/2021</a:t>
             </a:fld>
             <a:endParaRPr lang="fr-FR" dirty="0"/>
           </a:p>
@@ -1000,7 +1000,7 @@
           <a:p>
             <a:fld id="{43A24016-2E20-486A-9355-EBCAF3B43FB4}" type="datetimeFigureOut">
               <a:rPr lang="fr-FR" smtClean="0"/>
-              <a:t>24/08/2021</a:t>
+              <a:t>30/08/2021</a:t>
             </a:fld>
             <a:endParaRPr lang="fr-FR" dirty="0"/>
           </a:p>
@@ -1229,7 +1229,7 @@
           <a:p>
             <a:fld id="{43A24016-2E20-486A-9355-EBCAF3B43FB4}" type="datetimeFigureOut">
               <a:rPr lang="fr-FR" smtClean="0"/>
-              <a:t>24/08/2021</a:t>
+              <a:t>30/08/2021</a:t>
             </a:fld>
             <a:endParaRPr lang="fr-FR" dirty="0"/>
           </a:p>
@@ -1593,7 +1593,7 @@
           <a:p>
             <a:fld id="{43A24016-2E20-486A-9355-EBCAF3B43FB4}" type="datetimeFigureOut">
               <a:rPr lang="fr-FR" smtClean="0"/>
-              <a:t>24/08/2021</a:t>
+              <a:t>30/08/2021</a:t>
             </a:fld>
             <a:endParaRPr lang="fr-FR" dirty="0"/>
           </a:p>
@@ -1710,7 +1710,7 @@
           <a:p>
             <a:fld id="{43A24016-2E20-486A-9355-EBCAF3B43FB4}" type="datetimeFigureOut">
               <a:rPr lang="fr-FR" smtClean="0"/>
-              <a:t>24/08/2021</a:t>
+              <a:t>30/08/2021</a:t>
             </a:fld>
             <a:endParaRPr lang="fr-FR" dirty="0"/>
           </a:p>
@@ -1805,7 +1805,7 @@
           <a:p>
             <a:fld id="{43A24016-2E20-486A-9355-EBCAF3B43FB4}" type="datetimeFigureOut">
               <a:rPr lang="fr-FR" smtClean="0"/>
-              <a:t>24/08/2021</a:t>
+              <a:t>30/08/2021</a:t>
             </a:fld>
             <a:endParaRPr lang="fr-FR" dirty="0"/>
           </a:p>
@@ -2080,7 +2080,7 @@
           <a:p>
             <a:fld id="{43A24016-2E20-486A-9355-EBCAF3B43FB4}" type="datetimeFigureOut">
               <a:rPr lang="fr-FR" smtClean="0"/>
-              <a:t>24/08/2021</a:t>
+              <a:t>30/08/2021</a:t>
             </a:fld>
             <a:endParaRPr lang="fr-FR" dirty="0"/>
           </a:p>
@@ -2332,7 +2332,7 @@
           <a:p>
             <a:fld id="{43A24016-2E20-486A-9355-EBCAF3B43FB4}" type="datetimeFigureOut">
               <a:rPr lang="fr-FR" smtClean="0"/>
-              <a:t>24/08/2021</a:t>
+              <a:t>30/08/2021</a:t>
             </a:fld>
             <a:endParaRPr lang="fr-FR" dirty="0"/>
           </a:p>
@@ -2543,7 +2543,7 @@
           <a:p>
             <a:fld id="{43A24016-2E20-486A-9355-EBCAF3B43FB4}" type="datetimeFigureOut">
               <a:rPr lang="fr-FR" smtClean="0"/>
-              <a:t>24/08/2021</a:t>
+              <a:t>30/08/2021</a:t>
             </a:fld>
             <a:endParaRPr lang="fr-FR" dirty="0"/>
           </a:p>
@@ -3564,7 +3564,7 @@
         </p:nvSpPr>
         <p:spPr>
           <a:xfrm>
-            <a:off x="8638151" y="1631240"/>
+            <a:off x="8658277" y="1743066"/>
             <a:ext cx="1048877" cy="338554"/>
           </a:xfrm>
           <a:prstGeom prst="rect">
@@ -4210,8 +4210,8 @@
           <p:nvPr/>
         </p:nvSpPr>
         <p:spPr>
-          <a:xfrm>
-            <a:off x="5694867" y="1917525"/>
+          <a:xfrm rot="20686706">
+            <a:off x="9090102" y="1089740"/>
             <a:ext cx="2147317" cy="338554"/>
           </a:xfrm>
           <a:prstGeom prst="rect">
@@ -4286,6 +4286,93 @@
           </a:fontRef>
         </p:style>
       </p:cxnSp>
+      <p:cxnSp>
+        <p:nvCxnSpPr>
+          <p:cNvPr id="3" name="Curved Connector 2">
+            <a:extLst>
+              <a:ext uri="{FF2B5EF4-FFF2-40B4-BE49-F238E27FC236}">
+                <a16:creationId xmlns:a16="http://schemas.microsoft.com/office/drawing/2014/main" id="{5D8F8EEC-94D7-0C4D-9B15-76B0898919D1}"/>
+              </a:ext>
+            </a:extLst>
+          </p:cNvPr>
+          <p:cNvCxnSpPr>
+            <a:cxnSpLocks/>
+          </p:cNvCxnSpPr>
+          <p:nvPr/>
+        </p:nvCxnSpPr>
+        <p:spPr>
+          <a:xfrm flipV="1">
+            <a:off x="2998151" y="1011175"/>
+            <a:ext cx="7499574" cy="1219358"/>
+          </a:xfrm>
+          <a:prstGeom prst="curvedConnector2">
+            <a:avLst/>
+          </a:prstGeom>
+          <a:ln w="38100">
+            <a:solidFill>
+              <a:schemeClr val="accent6">
+                <a:lumMod val="75000"/>
+              </a:schemeClr>
+            </a:solidFill>
+            <a:tailEnd type="triangle"/>
+          </a:ln>
+        </p:spPr>
+        <p:style>
+          <a:lnRef idx="1">
+            <a:schemeClr val="accent1"/>
+          </a:lnRef>
+          <a:fillRef idx="0">
+            <a:schemeClr val="accent1"/>
+          </a:fillRef>
+          <a:effectRef idx="0">
+            <a:schemeClr val="accent1"/>
+          </a:effectRef>
+          <a:fontRef idx="minor">
+            <a:schemeClr val="tx1"/>
+          </a:fontRef>
+        </p:style>
+      </p:cxnSp>
+      <p:sp>
+        <p:nvSpPr>
+          <p:cNvPr id="33" name="ZoneTexte 40">
+            <a:extLst>
+              <a:ext uri="{FF2B5EF4-FFF2-40B4-BE49-F238E27FC236}">
+                <a16:creationId xmlns:a16="http://schemas.microsoft.com/office/drawing/2014/main" id="{27BB1539-EB1F-8C4B-B856-B1465E03FCBB}"/>
+              </a:ext>
+            </a:extLst>
+          </p:cNvPr>
+          <p:cNvSpPr txBox="1"/>
+          <p:nvPr/>
+        </p:nvSpPr>
+        <p:spPr>
+          <a:xfrm>
+            <a:off x="7217499" y="1942614"/>
+            <a:ext cx="2147317" cy="338554"/>
+          </a:xfrm>
+          <a:prstGeom prst="rect">
+            <a:avLst/>
+          </a:prstGeom>
+          <a:noFill/>
+        </p:spPr>
+        <p:txBody>
+          <a:bodyPr wrap="square" rtlCol="0">
+            <a:spAutoFit/>
+          </a:bodyPr>
+          <a:lstStyle/>
+          <a:p>
+            <a:r>
+              <a:rPr lang="fr-FR" sz="1600" b="1" i="1" noProof="1">
+                <a:solidFill>
+                  <a:schemeClr val="accent6">
+                    <a:lumMod val="75000"/>
+                  </a:schemeClr>
+                </a:solidFill>
+              </a:rPr>
+              <a:t>hasChild</a:t>
+            </a:r>
+          </a:p>
+        </p:txBody>
+      </p:sp>
     </p:spTree>
     <p:extLst>
       <p:ext uri="{BB962C8B-B14F-4D97-AF65-F5344CB8AC3E}">
